--- a/docs/微积分学习.pptx
+++ b/docs/微积分学习.pptx
@@ -6,6 +6,7 @@
   </p:sldMasterIdLst>
   <p:sldIdLst>
     <p:sldId id="279" r:id="rId2"/>
+    <p:sldId id="280" r:id="rId3"/>
   </p:sldIdLst>
   <p:sldSz cx="12192000" cy="6858000"/>
   <p:notesSz cx="6858000" cy="9144000"/>
@@ -241,7 +242,7 @@
           <a:p>
             <a:fld id="{15E3A115-6D43-49BD-A645-8C004FE3034A}" type="datetimeFigureOut">
               <a:rPr lang="zh-CN" altLang="en-US" smtClean="0"/>
-              <a:t>2018/6/8</a:t>
+              <a:t>2018/6/9/Sat</a:t>
             </a:fld>
             <a:endParaRPr lang="zh-CN" altLang="en-US"/>
           </a:p>
@@ -409,7 +410,7 @@
           <a:p>
             <a:fld id="{15E3A115-6D43-49BD-A645-8C004FE3034A}" type="datetimeFigureOut">
               <a:rPr lang="zh-CN" altLang="en-US" smtClean="0"/>
-              <a:t>2018/6/8</a:t>
+              <a:t>2018/6/9/Sat</a:t>
             </a:fld>
             <a:endParaRPr lang="zh-CN" altLang="en-US"/>
           </a:p>
@@ -587,7 +588,7 @@
           <a:p>
             <a:fld id="{15E3A115-6D43-49BD-A645-8C004FE3034A}" type="datetimeFigureOut">
               <a:rPr lang="zh-CN" altLang="en-US" smtClean="0"/>
-              <a:t>2018/6/8</a:t>
+              <a:t>2018/6/9/Sat</a:t>
             </a:fld>
             <a:endParaRPr lang="zh-CN" altLang="en-US"/>
           </a:p>
@@ -755,7 +756,7 @@
           <a:p>
             <a:fld id="{15E3A115-6D43-49BD-A645-8C004FE3034A}" type="datetimeFigureOut">
               <a:rPr lang="zh-CN" altLang="en-US" smtClean="0"/>
-              <a:t>2018/6/8</a:t>
+              <a:t>2018/6/9/Sat</a:t>
             </a:fld>
             <a:endParaRPr lang="zh-CN" altLang="en-US"/>
           </a:p>
@@ -1000,7 +1001,7 @@
           <a:p>
             <a:fld id="{15E3A115-6D43-49BD-A645-8C004FE3034A}" type="datetimeFigureOut">
               <a:rPr lang="zh-CN" altLang="en-US" smtClean="0"/>
-              <a:t>2018/6/8</a:t>
+              <a:t>2018/6/9/Sat</a:t>
             </a:fld>
             <a:endParaRPr lang="zh-CN" altLang="en-US"/>
           </a:p>
@@ -1229,7 +1230,7 @@
           <a:p>
             <a:fld id="{15E3A115-6D43-49BD-A645-8C004FE3034A}" type="datetimeFigureOut">
               <a:rPr lang="zh-CN" altLang="en-US" smtClean="0"/>
-              <a:t>2018/6/8</a:t>
+              <a:t>2018/6/9/Sat</a:t>
             </a:fld>
             <a:endParaRPr lang="zh-CN" altLang="en-US"/>
           </a:p>
@@ -1593,7 +1594,7 @@
           <a:p>
             <a:fld id="{15E3A115-6D43-49BD-A645-8C004FE3034A}" type="datetimeFigureOut">
               <a:rPr lang="zh-CN" altLang="en-US" smtClean="0"/>
-              <a:t>2018/6/8</a:t>
+              <a:t>2018/6/9/Sat</a:t>
             </a:fld>
             <a:endParaRPr lang="zh-CN" altLang="en-US"/>
           </a:p>
@@ -1710,7 +1711,7 @@
           <a:p>
             <a:fld id="{15E3A115-6D43-49BD-A645-8C004FE3034A}" type="datetimeFigureOut">
               <a:rPr lang="zh-CN" altLang="en-US" smtClean="0"/>
-              <a:t>2018/6/8</a:t>
+              <a:t>2018/6/9/Sat</a:t>
             </a:fld>
             <a:endParaRPr lang="zh-CN" altLang="en-US"/>
           </a:p>
@@ -1805,7 +1806,7 @@
           <a:p>
             <a:fld id="{15E3A115-6D43-49BD-A645-8C004FE3034A}" type="datetimeFigureOut">
               <a:rPr lang="zh-CN" altLang="en-US" smtClean="0"/>
-              <a:t>2018/6/8</a:t>
+              <a:t>2018/6/9/Sat</a:t>
             </a:fld>
             <a:endParaRPr lang="zh-CN" altLang="en-US"/>
           </a:p>
@@ -2080,7 +2081,7 @@
           <a:p>
             <a:fld id="{15E3A115-6D43-49BD-A645-8C004FE3034A}" type="datetimeFigureOut">
               <a:rPr lang="zh-CN" altLang="en-US" smtClean="0"/>
-              <a:t>2018/6/8</a:t>
+              <a:t>2018/6/9/Sat</a:t>
             </a:fld>
             <a:endParaRPr lang="zh-CN" altLang="en-US"/>
           </a:p>
@@ -2332,7 +2333,7 @@
           <a:p>
             <a:fld id="{15E3A115-6D43-49BD-A645-8C004FE3034A}" type="datetimeFigureOut">
               <a:rPr lang="zh-CN" altLang="en-US" smtClean="0"/>
-              <a:t>2018/6/8</a:t>
+              <a:t>2018/6/9/Sat</a:t>
             </a:fld>
             <a:endParaRPr lang="zh-CN" altLang="en-US"/>
           </a:p>
@@ -2543,7 +2544,7 @@
           <a:p>
             <a:fld id="{15E3A115-6D43-49BD-A645-8C004FE3034A}" type="datetimeFigureOut">
               <a:rPr lang="zh-CN" altLang="en-US" smtClean="0"/>
-              <a:t>2018/6/8</a:t>
+              <a:t>2018/6/9/Sat</a:t>
             </a:fld>
             <a:endParaRPr lang="zh-CN" altLang="en-US"/>
           </a:p>
@@ -3701,6 +3702,662 @@
 </p:sld>
 </file>
 
+<file path=ppt/slides/slide2.xml><?xml version="1.0" encoding="utf-8"?>
+<p:sld xmlns:a="http://schemas.openxmlformats.org/drawingml/2006/main" xmlns:r="http://schemas.openxmlformats.org/officeDocument/2006/relationships" xmlns:p="http://schemas.openxmlformats.org/presentationml/2006/main">
+  <p:cSld>
+    <p:bg>
+      <p:bgPr>
+        <a:solidFill>
+          <a:schemeClr val="tx2">
+            <a:lumMod val="75000"/>
+          </a:schemeClr>
+        </a:solidFill>
+        <a:effectLst/>
+      </p:bgPr>
+    </p:bg>
+    <p:spTree>
+      <p:nvGrpSpPr>
+        <p:cNvPr id="1" name=""/>
+        <p:cNvGrpSpPr/>
+        <p:nvPr/>
+      </p:nvGrpSpPr>
+      <p:grpSpPr>
+        <a:xfrm>
+          <a:off x="0" y="0"/>
+          <a:ext cx="0" cy="0"/>
+          <a:chOff x="0" y="0"/>
+          <a:chExt cx="0" cy="0"/>
+        </a:xfrm>
+      </p:grpSpPr>
+      <p:sp>
+        <p:nvSpPr>
+          <p:cNvPr id="11" name="Rectangle 1"/>
+          <p:cNvSpPr>
+            <a:spLocks noChangeArrowheads="1"/>
+          </p:cNvSpPr>
+          <p:nvPr/>
+        </p:nvSpPr>
+        <p:spPr bwMode="auto">
+          <a:xfrm>
+            <a:off x="0" y="0"/>
+            <a:ext cx="12192000" cy="0"/>
+          </a:xfrm>
+          <a:prstGeom prst="rect">
+            <a:avLst/>
+          </a:prstGeom>
+          <a:noFill/>
+          <a:ln>
+            <a:noFill/>
+          </a:ln>
+          <a:effectLst/>
+          <a:extLst>
+            <a:ext uri="{909E8E84-426E-40DD-AFC4-6F175D3DCCD1}">
+              <a14:hiddenFill xmlns:a14="http://schemas.microsoft.com/office/drawing/2010/main">
+                <a:solidFill>
+                  <a:schemeClr val="accent1"/>
+                </a:solidFill>
+              </a14:hiddenFill>
+            </a:ext>
+            <a:ext uri="{91240B29-F687-4F45-9708-019B960494DF}">
+              <a14:hiddenLine xmlns:a14="http://schemas.microsoft.com/office/drawing/2010/main" w="9525">
+                <a:solidFill>
+                  <a:schemeClr val="tx1"/>
+                </a:solidFill>
+                <a:miter lim="800000"/>
+                <a:headEnd/>
+                <a:tailEnd/>
+              </a14:hiddenLine>
+            </a:ext>
+            <a:ext uri="{AF507438-7753-43E0-B8FC-AC1667EBCBE1}">
+              <a14:hiddenEffects xmlns:a14="http://schemas.microsoft.com/office/drawing/2010/main">
+                <a:effectLst>
+                  <a:outerShdw dist="35921" dir="2700000" algn="ctr" rotWithShape="0">
+                    <a:schemeClr val="bg2"/>
+                  </a:outerShdw>
+                </a:effectLst>
+              </a14:hiddenEffects>
+            </a:ext>
+          </a:extLst>
+        </p:spPr>
+        <p:txBody>
+          <a:bodyPr vert="horz" wrap="none" lIns="91440" tIns="45720" rIns="91440" bIns="45720" numCol="1" anchor="ctr" anchorCtr="0" compatLnSpc="1">
+            <a:prstTxWarp prst="textNoShape">
+              <a:avLst/>
+            </a:prstTxWarp>
+            <a:spAutoFit/>
+          </a:bodyPr>
+          <a:lstStyle/>
+          <a:p>
+            <a:endParaRPr lang="zh-CN" altLang="en-US"/>
+          </a:p>
+        </p:txBody>
+      </p:sp>
+      <p:sp>
+        <p:nvSpPr>
+          <p:cNvPr id="12" name="Rectangle 2"/>
+          <p:cNvSpPr>
+            <a:spLocks noChangeArrowheads="1"/>
+          </p:cNvSpPr>
+          <p:nvPr/>
+        </p:nvSpPr>
+        <p:spPr bwMode="auto">
+          <a:xfrm>
+            <a:off x="152400" y="152400"/>
+            <a:ext cx="12192000" cy="0"/>
+          </a:xfrm>
+          <a:prstGeom prst="rect">
+            <a:avLst/>
+          </a:prstGeom>
+          <a:noFill/>
+          <a:ln>
+            <a:noFill/>
+          </a:ln>
+          <a:effectLst/>
+          <a:extLst>
+            <a:ext uri="{909E8E84-426E-40DD-AFC4-6F175D3DCCD1}">
+              <a14:hiddenFill xmlns:a14="http://schemas.microsoft.com/office/drawing/2010/main">
+                <a:solidFill>
+                  <a:schemeClr val="accent1"/>
+                </a:solidFill>
+              </a14:hiddenFill>
+            </a:ext>
+            <a:ext uri="{91240B29-F687-4F45-9708-019B960494DF}">
+              <a14:hiddenLine xmlns:a14="http://schemas.microsoft.com/office/drawing/2010/main" w="9525">
+                <a:solidFill>
+                  <a:schemeClr val="tx1"/>
+                </a:solidFill>
+                <a:miter lim="800000"/>
+                <a:headEnd/>
+                <a:tailEnd/>
+              </a14:hiddenLine>
+            </a:ext>
+            <a:ext uri="{AF507438-7753-43E0-B8FC-AC1667EBCBE1}">
+              <a14:hiddenEffects xmlns:a14="http://schemas.microsoft.com/office/drawing/2010/main">
+                <a:effectLst>
+                  <a:outerShdw dist="35921" dir="2700000" algn="ctr" rotWithShape="0">
+                    <a:schemeClr val="bg2"/>
+                  </a:outerShdw>
+                </a:effectLst>
+              </a14:hiddenEffects>
+            </a:ext>
+          </a:extLst>
+        </p:spPr>
+        <p:txBody>
+          <a:bodyPr vert="horz" wrap="none" lIns="91440" tIns="45720" rIns="91440" bIns="45720" numCol="1" anchor="ctr" anchorCtr="0" compatLnSpc="1">
+            <a:prstTxWarp prst="textNoShape">
+              <a:avLst/>
+            </a:prstTxWarp>
+            <a:spAutoFit/>
+          </a:bodyPr>
+          <a:lstStyle/>
+          <a:p>
+            <a:endParaRPr lang="zh-CN" altLang="en-US"/>
+          </a:p>
+        </p:txBody>
+      </p:sp>
+      <p:sp>
+        <p:nvSpPr>
+          <p:cNvPr id="20" name="文本框 10">
+            <a:extLst>
+              <a:ext uri="{FF2B5EF4-FFF2-40B4-BE49-F238E27FC236}">
+                <a16:creationId xmlns:a16="http://schemas.microsoft.com/office/drawing/2014/main" id="{352D47C5-35B8-4614-8BD0-090637E3ED2A}"/>
+              </a:ext>
+            </a:extLst>
+          </p:cNvPr>
+          <p:cNvSpPr txBox="1"/>
+          <p:nvPr/>
+        </p:nvSpPr>
+        <p:spPr>
+          <a:xfrm>
+            <a:off x="454645" y="493451"/>
+            <a:ext cx="10232843" cy="1200329"/>
+          </a:xfrm>
+          <a:prstGeom prst="rect">
+            <a:avLst/>
+          </a:prstGeom>
+          <a:noFill/>
+        </p:spPr>
+        <p:txBody>
+          <a:bodyPr wrap="square" rtlCol="0">
+            <a:spAutoFit/>
+          </a:bodyPr>
+          <a:lstStyle/>
+          <a:p>
+            <a:r>
+              <a:rPr lang="en-US" altLang="zh-CN" dirty="0" err="1">
+                <a:solidFill>
+                  <a:schemeClr val="bg1"/>
+                </a:solidFill>
+                <a:latin typeface="微软雅黑" panose="020B0503020204020204" pitchFamily="34" charset="-122"/>
+                <a:ea typeface="微软雅黑" panose="020B0503020204020204" pitchFamily="34" charset="-122"/>
+              </a:rPr>
+              <a:t>Sinx</a:t>
+            </a:r>
+            <a:r>
+              <a:rPr lang="zh-CN" altLang="en-US" dirty="0">
+                <a:solidFill>
+                  <a:schemeClr val="bg1"/>
+                </a:solidFill>
+                <a:latin typeface="微软雅黑" panose="020B0503020204020204" pitchFamily="34" charset="-122"/>
+                <a:ea typeface="微软雅黑" panose="020B0503020204020204" pitchFamily="34" charset="-122"/>
+              </a:rPr>
+              <a:t>和</a:t>
+            </a:r>
+            <a:r>
+              <a:rPr lang="en-US" altLang="zh-CN" dirty="0" err="1">
+                <a:solidFill>
+                  <a:schemeClr val="bg1"/>
+                </a:solidFill>
+                <a:latin typeface="微软雅黑" panose="020B0503020204020204" pitchFamily="34" charset="-122"/>
+                <a:ea typeface="微软雅黑" panose="020B0503020204020204" pitchFamily="34" charset="-122"/>
+              </a:rPr>
+              <a:t>cosx</a:t>
+            </a:r>
+            <a:r>
+              <a:rPr lang="zh-CN" altLang="en-US" dirty="0">
+                <a:solidFill>
+                  <a:schemeClr val="bg1"/>
+                </a:solidFill>
+                <a:latin typeface="微软雅黑" panose="020B0503020204020204" pitchFamily="34" charset="-122"/>
+                <a:ea typeface="微软雅黑" panose="020B0503020204020204" pitchFamily="34" charset="-122"/>
+              </a:rPr>
+              <a:t>在</a:t>
+            </a:r>
+            <a:r>
+              <a:rPr lang="en-US" altLang="zh-CN" dirty="0">
+                <a:solidFill>
+                  <a:schemeClr val="bg1"/>
+                </a:solidFill>
+                <a:latin typeface="微软雅黑" panose="020B0503020204020204" pitchFamily="34" charset="-122"/>
+                <a:ea typeface="微软雅黑" panose="020B0503020204020204" pitchFamily="34" charset="-122"/>
+              </a:rPr>
+              <a:t>0</a:t>
+            </a:r>
+            <a:r>
+              <a:rPr lang="zh-CN" altLang="en-US" dirty="0">
+                <a:solidFill>
+                  <a:schemeClr val="bg1"/>
+                </a:solidFill>
+                <a:latin typeface="微软雅黑" panose="020B0503020204020204" pitchFamily="34" charset="-122"/>
+                <a:ea typeface="微软雅黑" panose="020B0503020204020204" pitchFamily="34" charset="-122"/>
+              </a:rPr>
+              <a:t>的导数，决定了所有三角函数的导数</a:t>
+            </a:r>
+            <a:endParaRPr lang="en-US" altLang="zh-CN" dirty="0">
+              <a:solidFill>
+                <a:schemeClr val="bg1"/>
+              </a:solidFill>
+              <a:latin typeface="微软雅黑" panose="020B0503020204020204" pitchFamily="34" charset="-122"/>
+              <a:ea typeface="微软雅黑" panose="020B0503020204020204" pitchFamily="34" charset="-122"/>
+            </a:endParaRPr>
+          </a:p>
+          <a:p>
+            <a:endParaRPr lang="en-US" altLang="zh-CN" dirty="0">
+              <a:solidFill>
+                <a:schemeClr val="bg1"/>
+              </a:solidFill>
+              <a:latin typeface="微软雅黑" panose="020B0503020204020204" pitchFamily="34" charset="-122"/>
+              <a:ea typeface="微软雅黑" panose="020B0503020204020204" pitchFamily="34" charset="-122"/>
+            </a:endParaRPr>
+          </a:p>
+          <a:p>
+            <a:endParaRPr lang="en-US" altLang="zh-CN" dirty="0">
+              <a:solidFill>
+                <a:schemeClr val="bg1"/>
+              </a:solidFill>
+              <a:latin typeface="微软雅黑" panose="020B0503020204020204" pitchFamily="34" charset="-122"/>
+              <a:ea typeface="微软雅黑" panose="020B0503020204020204" pitchFamily="34" charset="-122"/>
+            </a:endParaRPr>
+          </a:p>
+          <a:p>
+            <a:endParaRPr lang="en-US" altLang="zh-CN" dirty="0">
+              <a:solidFill>
+                <a:schemeClr val="bg1"/>
+              </a:solidFill>
+              <a:latin typeface="微软雅黑" panose="020B0503020204020204" pitchFamily="34" charset="-122"/>
+              <a:ea typeface="微软雅黑" panose="020B0503020204020204" pitchFamily="34" charset="-122"/>
+            </a:endParaRPr>
+          </a:p>
+        </p:txBody>
+      </p:sp>
+      <p:sp>
+        <p:nvSpPr>
+          <p:cNvPr id="25" name="文本框 10">
+            <a:extLst>
+              <a:ext uri="{FF2B5EF4-FFF2-40B4-BE49-F238E27FC236}">
+                <a16:creationId xmlns:a16="http://schemas.microsoft.com/office/drawing/2014/main" id="{BCB3944D-5D8B-4AD1-B2C6-CA6295812003}"/>
+              </a:ext>
+            </a:extLst>
+          </p:cNvPr>
+          <p:cNvSpPr txBox="1"/>
+          <p:nvPr/>
+        </p:nvSpPr>
+        <p:spPr>
+          <a:xfrm>
+            <a:off x="454644" y="3447207"/>
+            <a:ext cx="10232843" cy="646331"/>
+          </a:xfrm>
+          <a:prstGeom prst="rect">
+            <a:avLst/>
+          </a:prstGeom>
+          <a:noFill/>
+        </p:spPr>
+        <p:txBody>
+          <a:bodyPr wrap="square" rtlCol="0">
+            <a:spAutoFit/>
+          </a:bodyPr>
+          <a:lstStyle/>
+          <a:p>
+            <a:r>
+              <a:rPr lang="zh-CN" altLang="en-US" dirty="0">
+                <a:solidFill>
+                  <a:schemeClr val="bg1"/>
+                </a:solidFill>
+                <a:latin typeface="微软雅黑" panose="020B0503020204020204" pitchFamily="34" charset="-122"/>
+                <a:ea typeface="微软雅黑" panose="020B0503020204020204" pitchFamily="34" charset="-122"/>
+              </a:rPr>
+              <a:t>于是可以得到</a:t>
+            </a:r>
+            <a:r>
+              <a:rPr lang="en-US" altLang="zh-CN" dirty="0">
+                <a:solidFill>
+                  <a:schemeClr val="bg1"/>
+                </a:solidFill>
+                <a:latin typeface="微软雅黑" panose="020B0503020204020204" pitchFamily="34" charset="-122"/>
+                <a:ea typeface="微软雅黑" panose="020B0503020204020204" pitchFamily="34" charset="-122"/>
+              </a:rPr>
+              <a:t>sin</a:t>
+            </a:r>
+            <a:r>
+              <a:rPr lang="zh-CN" altLang="en-US" dirty="0">
+                <a:solidFill>
+                  <a:schemeClr val="bg1"/>
+                </a:solidFill>
+                <a:latin typeface="微软雅黑" panose="020B0503020204020204" pitchFamily="34" charset="-122"/>
+                <a:ea typeface="微软雅黑" panose="020B0503020204020204" pitchFamily="34" charset="-122"/>
+              </a:rPr>
+              <a:t>和</a:t>
+            </a:r>
+            <a:r>
+              <a:rPr lang="en-US" altLang="zh-CN" dirty="0">
+                <a:solidFill>
+                  <a:schemeClr val="bg1"/>
+                </a:solidFill>
+                <a:latin typeface="微软雅黑" panose="020B0503020204020204" pitchFamily="34" charset="-122"/>
+                <a:ea typeface="微软雅黑" panose="020B0503020204020204" pitchFamily="34" charset="-122"/>
+              </a:rPr>
+              <a:t>cos</a:t>
+            </a:r>
+            <a:r>
+              <a:rPr lang="zh-CN" altLang="en-US" dirty="0">
+                <a:solidFill>
+                  <a:schemeClr val="bg1"/>
+                </a:solidFill>
+                <a:latin typeface="微软雅黑" panose="020B0503020204020204" pitchFamily="34" charset="-122"/>
+                <a:ea typeface="微软雅黑" panose="020B0503020204020204" pitchFamily="34" charset="-122"/>
+              </a:rPr>
+              <a:t>在任意点的导数公式</a:t>
+            </a:r>
+            <a:endParaRPr lang="en-US" altLang="zh-CN" dirty="0">
+              <a:solidFill>
+                <a:schemeClr val="bg1"/>
+              </a:solidFill>
+              <a:latin typeface="微软雅黑" panose="020B0503020204020204" pitchFamily="34" charset="-122"/>
+              <a:ea typeface="微软雅黑" panose="020B0503020204020204" pitchFamily="34" charset="-122"/>
+            </a:endParaRPr>
+          </a:p>
+          <a:p>
+            <a:endParaRPr lang="en-US" altLang="zh-CN" dirty="0">
+              <a:solidFill>
+                <a:schemeClr val="bg1"/>
+              </a:solidFill>
+              <a:latin typeface="微软雅黑" panose="020B0503020204020204" pitchFamily="34" charset="-122"/>
+              <a:ea typeface="微软雅黑" panose="020B0503020204020204" pitchFamily="34" charset="-122"/>
+            </a:endParaRPr>
+          </a:p>
+        </p:txBody>
+      </p:sp>
+      <p:pic>
+        <p:nvPicPr>
+          <p:cNvPr id="7" name="图片 6">
+            <a:extLst>
+              <a:ext uri="{FF2B5EF4-FFF2-40B4-BE49-F238E27FC236}">
+                <a16:creationId xmlns:a16="http://schemas.microsoft.com/office/drawing/2014/main" id="{2DB679E5-27C8-4D56-91FA-491ABF8EA024}"/>
+              </a:ext>
+            </a:extLst>
+          </p:cNvPr>
+          <p:cNvPicPr>
+            <a:picLocks noChangeAspect="1"/>
+          </p:cNvPicPr>
+          <p:nvPr/>
+        </p:nvPicPr>
+        <p:blipFill>
+          <a:blip r:embed="rId2"/>
+          <a:stretch>
+            <a:fillRect/>
+          </a:stretch>
+        </p:blipFill>
+        <p:spPr>
+          <a:xfrm>
+            <a:off x="7377894" y="152400"/>
+            <a:ext cx="1533525" cy="1571625"/>
+          </a:xfrm>
+          <a:prstGeom prst="rect">
+            <a:avLst/>
+          </a:prstGeom>
+        </p:spPr>
+      </p:pic>
+      <p:pic>
+        <p:nvPicPr>
+          <p:cNvPr id="8" name="图片 7">
+            <a:extLst>
+              <a:ext uri="{FF2B5EF4-FFF2-40B4-BE49-F238E27FC236}">
+                <a16:creationId xmlns:a16="http://schemas.microsoft.com/office/drawing/2014/main" id="{B04727B7-453C-4B49-BB9D-61D3BBB347FF}"/>
+              </a:ext>
+            </a:extLst>
+          </p:cNvPr>
+          <p:cNvPicPr>
+            <a:picLocks noChangeAspect="1"/>
+          </p:cNvPicPr>
+          <p:nvPr/>
+        </p:nvPicPr>
+        <p:blipFill>
+          <a:blip r:embed="rId3"/>
+          <a:stretch>
+            <a:fillRect/>
+          </a:stretch>
+        </p:blipFill>
+        <p:spPr>
+          <a:xfrm>
+            <a:off x="515475" y="1027443"/>
+            <a:ext cx="5086350" cy="1543050"/>
+          </a:xfrm>
+          <a:prstGeom prst="rect">
+            <a:avLst/>
+          </a:prstGeom>
+        </p:spPr>
+      </p:pic>
+      <p:pic>
+        <p:nvPicPr>
+          <p:cNvPr id="9" name="图片 8">
+            <a:extLst>
+              <a:ext uri="{FF2B5EF4-FFF2-40B4-BE49-F238E27FC236}">
+                <a16:creationId xmlns:a16="http://schemas.microsoft.com/office/drawing/2014/main" id="{BAA33F75-CF73-4D6B-91EC-B101F81D6AEC}"/>
+              </a:ext>
+            </a:extLst>
+          </p:cNvPr>
+          <p:cNvPicPr>
+            <a:picLocks noChangeAspect="1"/>
+          </p:cNvPicPr>
+          <p:nvPr/>
+        </p:nvPicPr>
+        <p:blipFill>
+          <a:blip r:embed="rId4"/>
+          <a:stretch>
+            <a:fillRect/>
+          </a:stretch>
+        </p:blipFill>
+        <p:spPr>
+          <a:xfrm>
+            <a:off x="5571065" y="2951222"/>
+            <a:ext cx="2085975" cy="1638300"/>
+          </a:xfrm>
+          <a:prstGeom prst="rect">
+            <a:avLst/>
+          </a:prstGeom>
+        </p:spPr>
+      </p:pic>
+      <p:sp>
+        <p:nvSpPr>
+          <p:cNvPr id="28" name="文本框 10">
+            <a:extLst>
+              <a:ext uri="{FF2B5EF4-FFF2-40B4-BE49-F238E27FC236}">
+                <a16:creationId xmlns:a16="http://schemas.microsoft.com/office/drawing/2014/main" id="{91E560E8-809E-4502-AC24-86BC35D81DFA}"/>
+              </a:ext>
+            </a:extLst>
+          </p:cNvPr>
+          <p:cNvSpPr txBox="1"/>
+          <p:nvPr/>
+        </p:nvSpPr>
+        <p:spPr>
+          <a:xfrm>
+            <a:off x="515475" y="4785528"/>
+            <a:ext cx="11279446" cy="369332"/>
+          </a:xfrm>
+          <a:prstGeom prst="rect">
+            <a:avLst/>
+          </a:prstGeom>
+          <a:noFill/>
+        </p:spPr>
+        <p:txBody>
+          <a:bodyPr wrap="square" rtlCol="0">
+            <a:spAutoFit/>
+          </a:bodyPr>
+          <a:lstStyle/>
+          <a:p>
+            <a:r>
+              <a:rPr lang="zh-CN" altLang="en-US" dirty="0">
+                <a:solidFill>
+                  <a:schemeClr val="bg1"/>
+                </a:solidFill>
+                <a:latin typeface="微软雅黑" panose="020B0503020204020204" pitchFamily="34" charset="-122"/>
+                <a:ea typeface="微软雅黑" panose="020B0503020204020204" pitchFamily="34" charset="-122"/>
+              </a:rPr>
+              <a:t>求导的链式法则，</a:t>
+            </a:r>
+            <a:r>
+              <a:rPr lang="en-US" altLang="zh-CN" dirty="0">
+                <a:solidFill>
+                  <a:schemeClr val="bg1"/>
+                </a:solidFill>
+                <a:latin typeface="微软雅黑" panose="020B0503020204020204" pitchFamily="34" charset="-122"/>
+                <a:ea typeface="微软雅黑" panose="020B0503020204020204" pitchFamily="34" charset="-122"/>
+              </a:rPr>
+              <a:t>d</a:t>
+            </a:r>
+            <a:r>
+              <a:rPr lang="zh-CN" altLang="en-US" dirty="0">
+                <a:solidFill>
+                  <a:schemeClr val="bg1"/>
+                </a:solidFill>
+                <a:latin typeface="微软雅黑" panose="020B0503020204020204" pitchFamily="34" charset="-122"/>
+                <a:ea typeface="微软雅黑" panose="020B0503020204020204" pitchFamily="34" charset="-122"/>
+              </a:rPr>
+              <a:t>表示微小的一段，</a:t>
+            </a:r>
+            <a:r>
+              <a:rPr lang="en-US" altLang="zh-CN" dirty="0" err="1">
+                <a:solidFill>
+                  <a:schemeClr val="bg1"/>
+                </a:solidFill>
+                <a:latin typeface="微软雅黑" panose="020B0503020204020204" pitchFamily="34" charset="-122"/>
+                <a:ea typeface="微软雅黑" panose="020B0503020204020204" pitchFamily="34" charset="-122"/>
+              </a:rPr>
+              <a:t>dy</a:t>
+            </a:r>
+            <a:r>
+              <a:rPr lang="zh-CN" altLang="en-US" dirty="0">
+                <a:solidFill>
+                  <a:schemeClr val="bg1"/>
+                </a:solidFill>
+                <a:latin typeface="微软雅黑" panose="020B0503020204020204" pitchFamily="34" charset="-122"/>
+                <a:ea typeface="微软雅黑" panose="020B0503020204020204" pitchFamily="34" charset="-122"/>
+              </a:rPr>
+              <a:t>表示</a:t>
+            </a:r>
+            <a:r>
+              <a:rPr lang="en-US" altLang="zh-CN" dirty="0">
+                <a:solidFill>
+                  <a:schemeClr val="bg1"/>
+                </a:solidFill>
+                <a:latin typeface="微软雅黑" panose="020B0503020204020204" pitchFamily="34" charset="-122"/>
+                <a:ea typeface="微软雅黑" panose="020B0503020204020204" pitchFamily="34" charset="-122"/>
+              </a:rPr>
+              <a:t>y</a:t>
+            </a:r>
+            <a:r>
+              <a:rPr lang="zh-CN" altLang="en-US" dirty="0">
+                <a:solidFill>
+                  <a:schemeClr val="bg1"/>
+                </a:solidFill>
+                <a:latin typeface="微软雅黑" panose="020B0503020204020204" pitchFamily="34" charset="-122"/>
+                <a:ea typeface="微软雅黑" panose="020B0503020204020204" pitchFamily="34" charset="-122"/>
+              </a:rPr>
+              <a:t>变化一点点，</a:t>
+            </a:r>
+            <a:r>
+              <a:rPr lang="en-US" altLang="zh-CN" dirty="0">
+                <a:solidFill>
+                  <a:schemeClr val="bg1"/>
+                </a:solidFill>
+                <a:latin typeface="微软雅黑" panose="020B0503020204020204" pitchFamily="34" charset="-122"/>
+                <a:ea typeface="微软雅黑" panose="020B0503020204020204" pitchFamily="34" charset="-122"/>
+              </a:rPr>
+              <a:t>dx</a:t>
+            </a:r>
+            <a:r>
+              <a:rPr lang="zh-CN" altLang="en-US" dirty="0">
+                <a:solidFill>
+                  <a:schemeClr val="bg1"/>
+                </a:solidFill>
+                <a:latin typeface="微软雅黑" panose="020B0503020204020204" pitchFamily="34" charset="-122"/>
+                <a:ea typeface="微软雅黑" panose="020B0503020204020204" pitchFamily="34" charset="-122"/>
+              </a:rPr>
+              <a:t>表示</a:t>
+            </a:r>
+            <a:r>
+              <a:rPr lang="en-US" altLang="zh-CN" dirty="0">
+                <a:solidFill>
+                  <a:schemeClr val="bg1"/>
+                </a:solidFill>
+                <a:latin typeface="微软雅黑" panose="020B0503020204020204" pitchFamily="34" charset="-122"/>
+                <a:ea typeface="微软雅黑" panose="020B0503020204020204" pitchFamily="34" charset="-122"/>
+              </a:rPr>
+              <a:t>x</a:t>
+            </a:r>
+            <a:r>
+              <a:rPr lang="zh-CN" altLang="en-US" dirty="0">
+                <a:solidFill>
+                  <a:schemeClr val="bg1"/>
+                </a:solidFill>
+                <a:latin typeface="微软雅黑" panose="020B0503020204020204" pitchFamily="34" charset="-122"/>
+                <a:ea typeface="微软雅黑" panose="020B0503020204020204" pitchFamily="34" charset="-122"/>
+              </a:rPr>
+              <a:t>变化一点点，                  就是导数。</a:t>
+            </a:r>
+            <a:endParaRPr lang="en-US" altLang="zh-CN" dirty="0">
+              <a:solidFill>
+                <a:schemeClr val="bg1"/>
+              </a:solidFill>
+              <a:latin typeface="微软雅黑" panose="020B0503020204020204" pitchFamily="34" charset="-122"/>
+              <a:ea typeface="微软雅黑" panose="020B0503020204020204" pitchFamily="34" charset="-122"/>
+            </a:endParaRPr>
+          </a:p>
+        </p:txBody>
+      </p:sp>
+      <p:pic>
+        <p:nvPicPr>
+          <p:cNvPr id="10" name="图片 9">
+            <a:extLst>
+              <a:ext uri="{FF2B5EF4-FFF2-40B4-BE49-F238E27FC236}">
+                <a16:creationId xmlns:a16="http://schemas.microsoft.com/office/drawing/2014/main" id="{F01FAF99-9350-4F85-9064-5D729235388B}"/>
+              </a:ext>
+            </a:extLst>
+          </p:cNvPr>
+          <p:cNvPicPr>
+            <a:picLocks noChangeAspect="1"/>
+          </p:cNvPicPr>
+          <p:nvPr/>
+        </p:nvPicPr>
+        <p:blipFill>
+          <a:blip r:embed="rId5"/>
+          <a:stretch>
+            <a:fillRect/>
+          </a:stretch>
+        </p:blipFill>
+        <p:spPr>
+          <a:xfrm>
+            <a:off x="8911419" y="4545350"/>
+            <a:ext cx="1095375" cy="781050"/>
+          </a:xfrm>
+          <a:prstGeom prst="rect">
+            <a:avLst/>
+          </a:prstGeom>
+        </p:spPr>
+      </p:pic>
+    </p:spTree>
+    <p:extLst>
+      <p:ext uri="{BB962C8B-B14F-4D97-AF65-F5344CB8AC3E}">
+        <p14:creationId xmlns:p14="http://schemas.microsoft.com/office/powerpoint/2010/main" val="3381081607"/>
+      </p:ext>
+    </p:extLst>
+  </p:cSld>
+  <p:clrMapOvr>
+    <a:masterClrMapping/>
+  </p:clrMapOvr>
+</p:sld>
+</file>
+
 <file path=ppt/theme/theme1.xml><?xml version="1.0" encoding="utf-8"?>
 <a:theme xmlns:a="http://schemas.openxmlformats.org/drawingml/2006/main" name="Office 主题​​">
   <a:themeElements>
